--- a/Docs/Presentatie Workshop Solderen/TechDen Montage instructie v01 (tbv pdf).pptx
+++ b/Docs/Presentatie Workshop Solderen/TechDen Montage instructie v01 (tbv pdf).pptx
@@ -20,7 +20,7 @@
     <p:sldId id="303" r:id="rId11"/>
   </p:sldIdLst>
   <p:sldSz cx="9906000" cy="6858000" type="A4"/>
-  <p:notesSz cx="6858000" cy="9144000"/>
+  <p:notesSz cx="7104063" cy="10234613"/>
   <p:defaultTextStyle>
     <a:defPPr>
       <a:defRPr lang="nl-NL"/>
@@ -154,17 +154,17 @@
         <p:spPr>
           <a:xfrm>
             <a:off x="0" y="0"/>
-            <a:ext cx="2971800" cy="457200"/>
+            <a:ext cx="3078427" cy="511731"/>
           </a:xfrm>
           <a:prstGeom prst="rect">
             <a:avLst/>
           </a:prstGeom>
         </p:spPr>
         <p:txBody>
-          <a:bodyPr vert="horz" lIns="91440" tIns="45720" rIns="91440" bIns="45720" rtlCol="0"/>
+          <a:bodyPr vert="horz" lIns="99075" tIns="49538" rIns="99075" bIns="49538" rtlCol="0"/>
           <a:lstStyle>
             <a:lvl1pPr algn="l">
-              <a:defRPr sz="1200"/>
+              <a:defRPr sz="1300"/>
             </a:lvl1pPr>
           </a:lstStyle>
           <a:p>
@@ -184,24 +184,24 @@
         </p:nvSpPr>
         <p:spPr>
           <a:xfrm>
-            <a:off x="3884613" y="0"/>
-            <a:ext cx="2971800" cy="457200"/>
+            <a:off x="4023992" y="0"/>
+            <a:ext cx="3078427" cy="511731"/>
           </a:xfrm>
           <a:prstGeom prst="rect">
             <a:avLst/>
           </a:prstGeom>
         </p:spPr>
         <p:txBody>
-          <a:bodyPr vert="horz" lIns="91440" tIns="45720" rIns="91440" bIns="45720" rtlCol="0"/>
+          <a:bodyPr vert="horz" lIns="99075" tIns="49538" rIns="99075" bIns="49538" rtlCol="0"/>
           <a:lstStyle>
             <a:lvl1pPr algn="r">
-              <a:defRPr sz="1200"/>
+              <a:defRPr sz="1300"/>
             </a:lvl1pPr>
           </a:lstStyle>
           <a:p>
             <a:fld id="{BAC3E3A1-E41A-4227-B246-4EC9AF64CA8B}" type="datetimeFigureOut">
               <a:rPr lang="nl-NL" smtClean="0"/>
-              <a:t>21-2-2023</a:t>
+              <a:t>22-2-2023</a:t>
             </a:fld>
             <a:endParaRPr lang="nl-NL"/>
           </a:p>
@@ -219,8 +219,8 @@
         </p:nvSpPr>
         <p:spPr>
           <a:xfrm>
-            <a:off x="952500" y="685800"/>
-            <a:ext cx="4953000" cy="3429000"/>
+            <a:off x="781050" y="768350"/>
+            <a:ext cx="5541963" cy="3836988"/>
           </a:xfrm>
           <a:prstGeom prst="rect">
             <a:avLst/>
@@ -233,7 +233,7 @@
           </a:ln>
         </p:spPr>
         <p:txBody>
-          <a:bodyPr vert="horz" lIns="91440" tIns="45720" rIns="91440" bIns="45720" rtlCol="0" anchor="ctr"/>
+          <a:bodyPr vert="horz" lIns="99075" tIns="49538" rIns="99075" bIns="49538" rtlCol="0" anchor="ctr"/>
           <a:lstStyle/>
           <a:p>
             <a:endParaRPr lang="nl-NL"/>
@@ -252,15 +252,15 @@
         </p:nvSpPr>
         <p:spPr>
           <a:xfrm>
-            <a:off x="685800" y="4343400"/>
-            <a:ext cx="5486400" cy="4114800"/>
+            <a:off x="710407" y="4861441"/>
+            <a:ext cx="5683250" cy="4605576"/>
           </a:xfrm>
           <a:prstGeom prst="rect">
             <a:avLst/>
           </a:prstGeom>
         </p:spPr>
         <p:txBody>
-          <a:bodyPr vert="horz" lIns="91440" tIns="45720" rIns="91440" bIns="45720" rtlCol="0"/>
+          <a:bodyPr vert="horz" lIns="99075" tIns="49538" rIns="99075" bIns="49538" rtlCol="0"/>
           <a:lstStyle/>
           <a:p>
             <a:pPr lvl="0"/>
@@ -312,18 +312,18 @@
         </p:nvSpPr>
         <p:spPr>
           <a:xfrm>
-            <a:off x="0" y="8685213"/>
-            <a:ext cx="2971800" cy="457200"/>
+            <a:off x="0" y="9721106"/>
+            <a:ext cx="3078427" cy="511731"/>
           </a:xfrm>
           <a:prstGeom prst="rect">
             <a:avLst/>
           </a:prstGeom>
         </p:spPr>
         <p:txBody>
-          <a:bodyPr vert="horz" lIns="91440" tIns="45720" rIns="91440" bIns="45720" rtlCol="0" anchor="b"/>
+          <a:bodyPr vert="horz" lIns="99075" tIns="49538" rIns="99075" bIns="49538" rtlCol="0" anchor="b"/>
           <a:lstStyle>
             <a:lvl1pPr algn="l">
-              <a:defRPr sz="1200"/>
+              <a:defRPr sz="1300"/>
             </a:lvl1pPr>
           </a:lstStyle>
           <a:p>
@@ -343,18 +343,18 @@
         </p:nvSpPr>
         <p:spPr>
           <a:xfrm>
-            <a:off x="3884613" y="8685213"/>
-            <a:ext cx="2971800" cy="457200"/>
+            <a:off x="4023992" y="9721106"/>
+            <a:ext cx="3078427" cy="511731"/>
           </a:xfrm>
           <a:prstGeom prst="rect">
             <a:avLst/>
           </a:prstGeom>
         </p:spPr>
         <p:txBody>
-          <a:bodyPr vert="horz" lIns="91440" tIns="45720" rIns="91440" bIns="45720" rtlCol="0" anchor="b"/>
+          <a:bodyPr vert="horz" lIns="99075" tIns="49538" rIns="99075" bIns="49538" rtlCol="0" anchor="b"/>
           <a:lstStyle>
             <a:lvl1pPr algn="r">
-              <a:defRPr sz="1200"/>
+              <a:defRPr sz="1300"/>
             </a:lvl1pPr>
           </a:lstStyle>
           <a:p>
@@ -498,8 +498,8 @@
         </p:nvSpPr>
         <p:spPr>
           <a:xfrm>
-            <a:off x="952500" y="685800"/>
-            <a:ext cx="4953000" cy="3429000"/>
+            <a:off x="781050" y="768350"/>
+            <a:ext cx="5541963" cy="3836988"/>
           </a:xfrm>
         </p:spPr>
       </p:sp>
@@ -518,9 +518,7 @@
           <a:bodyPr/>
           <a:lstStyle/>
           <a:p>
-            <a:pPr marL="109715" indent="0">
-              <a:buNone/>
-            </a:pPr>
+            <a:pPr marL="118876"/>
             <a:endParaRPr lang="nl-NL" dirty="0"/>
           </a:p>
         </p:txBody>
@@ -590,8 +588,8 @@
         </p:nvSpPr>
         <p:spPr>
           <a:xfrm>
-            <a:off x="952500" y="685800"/>
-            <a:ext cx="4953000" cy="3429000"/>
+            <a:off x="781050" y="768350"/>
+            <a:ext cx="5541963" cy="3836988"/>
           </a:xfrm>
         </p:spPr>
       </p:sp>
@@ -610,9 +608,7 @@
           <a:bodyPr/>
           <a:lstStyle/>
           <a:p>
-            <a:pPr marL="109715" indent="0">
-              <a:buNone/>
-            </a:pPr>
+            <a:pPr marL="118876"/>
             <a:endParaRPr lang="nl-NL" dirty="0"/>
           </a:p>
         </p:txBody>
@@ -682,8 +678,8 @@
         </p:nvSpPr>
         <p:spPr>
           <a:xfrm>
-            <a:off x="952500" y="685800"/>
-            <a:ext cx="4953000" cy="3429000"/>
+            <a:off x="781050" y="768350"/>
+            <a:ext cx="5541963" cy="3836988"/>
           </a:xfrm>
         </p:spPr>
       </p:sp>
@@ -702,9 +698,7 @@
           <a:bodyPr/>
           <a:lstStyle/>
           <a:p>
-            <a:pPr marL="109715" indent="0">
-              <a:buNone/>
-            </a:pPr>
+            <a:pPr marL="118876"/>
             <a:endParaRPr lang="nl-NL" dirty="0"/>
           </a:p>
         </p:txBody>
@@ -774,8 +768,8 @@
         </p:nvSpPr>
         <p:spPr>
           <a:xfrm>
-            <a:off x="952500" y="685800"/>
-            <a:ext cx="4953000" cy="3429000"/>
+            <a:off x="781050" y="768350"/>
+            <a:ext cx="5541963" cy="3836988"/>
           </a:xfrm>
         </p:spPr>
       </p:sp>
@@ -794,9 +788,7 @@
           <a:bodyPr/>
           <a:lstStyle/>
           <a:p>
-            <a:pPr marL="109715" indent="0">
-              <a:buNone/>
-            </a:pPr>
+            <a:pPr marL="118876"/>
             <a:endParaRPr lang="nl-NL" dirty="0"/>
           </a:p>
         </p:txBody>
@@ -866,8 +858,8 @@
         </p:nvSpPr>
         <p:spPr>
           <a:xfrm>
-            <a:off x="952500" y="685800"/>
-            <a:ext cx="4953000" cy="3429000"/>
+            <a:off x="781050" y="768350"/>
+            <a:ext cx="5541963" cy="3836988"/>
           </a:xfrm>
         </p:spPr>
       </p:sp>
@@ -886,9 +878,7 @@
           <a:bodyPr/>
           <a:lstStyle/>
           <a:p>
-            <a:pPr marL="109715" indent="0">
-              <a:buNone/>
-            </a:pPr>
+            <a:pPr marL="118876"/>
             <a:endParaRPr lang="nl-NL" dirty="0"/>
           </a:p>
         </p:txBody>
@@ -958,8 +948,8 @@
         </p:nvSpPr>
         <p:spPr>
           <a:xfrm>
-            <a:off x="952500" y="685800"/>
-            <a:ext cx="4953000" cy="3429000"/>
+            <a:off x="781050" y="768350"/>
+            <a:ext cx="5541963" cy="3836988"/>
           </a:xfrm>
         </p:spPr>
       </p:sp>
@@ -978,9 +968,7 @@
           <a:bodyPr/>
           <a:lstStyle/>
           <a:p>
-            <a:pPr marL="109715" indent="0">
-              <a:buNone/>
-            </a:pPr>
+            <a:pPr marL="118876"/>
             <a:endParaRPr lang="nl-NL" dirty="0"/>
           </a:p>
         </p:txBody>
@@ -1050,8 +1038,8 @@
         </p:nvSpPr>
         <p:spPr>
           <a:xfrm>
-            <a:off x="952500" y="685800"/>
-            <a:ext cx="4953000" cy="3429000"/>
+            <a:off x="781050" y="768350"/>
+            <a:ext cx="5541963" cy="3836988"/>
           </a:xfrm>
         </p:spPr>
       </p:sp>
@@ -1070,9 +1058,7 @@
           <a:bodyPr/>
           <a:lstStyle/>
           <a:p>
-            <a:pPr marL="109715" indent="0">
-              <a:buNone/>
-            </a:pPr>
+            <a:pPr marL="118876"/>
             <a:endParaRPr lang="nl-NL" dirty="0"/>
           </a:p>
         </p:txBody>
@@ -1142,8 +1128,8 @@
         </p:nvSpPr>
         <p:spPr>
           <a:xfrm>
-            <a:off x="952500" y="685800"/>
-            <a:ext cx="4953000" cy="3429000"/>
+            <a:off x="781050" y="768350"/>
+            <a:ext cx="5541963" cy="3836988"/>
           </a:xfrm>
         </p:spPr>
       </p:sp>
@@ -1162,9 +1148,7 @@
           <a:bodyPr/>
           <a:lstStyle/>
           <a:p>
-            <a:pPr marL="109715" indent="0">
-              <a:buNone/>
-            </a:pPr>
+            <a:pPr marL="118876"/>
             <a:endParaRPr lang="nl-NL" dirty="0"/>
           </a:p>
         </p:txBody>
@@ -1234,8 +1218,8 @@
         </p:nvSpPr>
         <p:spPr>
           <a:xfrm>
-            <a:off x="952500" y="685800"/>
-            <a:ext cx="4953000" cy="3429000"/>
+            <a:off x="781050" y="768350"/>
+            <a:ext cx="5541963" cy="3836988"/>
           </a:xfrm>
         </p:spPr>
       </p:sp>
@@ -1254,9 +1238,7 @@
           <a:bodyPr/>
           <a:lstStyle/>
           <a:p>
-            <a:pPr marL="109715" indent="0">
-              <a:buNone/>
-            </a:pPr>
+            <a:pPr marL="118876"/>
             <a:endParaRPr lang="nl-NL" dirty="0"/>
           </a:p>
         </p:txBody>
@@ -1922,7 +1904,7 @@
           <a:p>
             <a:fld id="{34D34557-819C-43FD-A2EA-1D50E17FA0BF}" type="datetimeFigureOut">
               <a:rPr lang="nl-NL" smtClean="0"/>
-              <a:t>21-2-2023</a:t>
+              <a:t>22-2-2023</a:t>
             </a:fld>
             <a:endParaRPr lang="nl-NL"/>
           </a:p>
@@ -2118,7 +2100,7 @@
           <a:p>
             <a:fld id="{34D34557-819C-43FD-A2EA-1D50E17FA0BF}" type="datetimeFigureOut">
               <a:rPr lang="nl-NL" smtClean="0"/>
-              <a:t>21-2-2023</a:t>
+              <a:t>22-2-2023</a:t>
             </a:fld>
             <a:endParaRPr lang="nl-NL"/>
           </a:p>
@@ -2303,7 +2285,7 @@
           <a:p>
             <a:fld id="{34D34557-819C-43FD-A2EA-1D50E17FA0BF}" type="datetimeFigureOut">
               <a:rPr lang="nl-NL" smtClean="0"/>
-              <a:t>21-2-2023</a:t>
+              <a:t>22-2-2023</a:t>
             </a:fld>
             <a:endParaRPr lang="nl-NL"/>
           </a:p>
@@ -2453,7 +2435,7 @@
           <a:p>
             <a:fld id="{34D34557-819C-43FD-A2EA-1D50E17FA0BF}" type="datetimeFigureOut">
               <a:rPr lang="nl-NL" smtClean="0"/>
-              <a:t>21-2-2023</a:t>
+              <a:t>22-2-2023</a:t>
             </a:fld>
             <a:endParaRPr lang="nl-NL"/>
           </a:p>
@@ -2703,7 +2685,7 @@
           <a:p>
             <a:fld id="{34D34557-819C-43FD-A2EA-1D50E17FA0BF}" type="datetimeFigureOut">
               <a:rPr lang="nl-NL" smtClean="0"/>
-              <a:t>21-2-2023</a:t>
+              <a:t>22-2-2023</a:t>
             </a:fld>
             <a:endParaRPr lang="nl-NL"/>
           </a:p>
@@ -3107,7 +3089,7 @@
           <a:p>
             <a:fld id="{34D34557-819C-43FD-A2EA-1D50E17FA0BF}" type="datetimeFigureOut">
               <a:rPr lang="nl-NL" smtClean="0"/>
-              <a:t>21-2-2023</a:t>
+              <a:t>22-2-2023</a:t>
             </a:fld>
             <a:endParaRPr lang="nl-NL"/>
           </a:p>
@@ -3548,7 +3530,7 @@
           <a:p>
             <a:fld id="{34D34557-819C-43FD-A2EA-1D50E17FA0BF}" type="datetimeFigureOut">
               <a:rPr lang="nl-NL" smtClean="0"/>
-              <a:t>21-2-2023</a:t>
+              <a:t>22-2-2023</a:t>
             </a:fld>
             <a:endParaRPr lang="nl-NL"/>
           </a:p>
@@ -3644,7 +3626,7 @@
           <a:p>
             <a:fld id="{34D34557-819C-43FD-A2EA-1D50E17FA0BF}" type="datetimeFigureOut">
               <a:rPr lang="nl-NL" smtClean="0"/>
-              <a:t>21-2-2023</a:t>
+              <a:t>22-2-2023</a:t>
             </a:fld>
             <a:endParaRPr lang="nl-NL"/>
           </a:p>
@@ -3765,7 +3747,7 @@
           <a:p>
             <a:fld id="{34D34557-819C-43FD-A2EA-1D50E17FA0BF}" type="datetimeFigureOut">
               <a:rPr lang="nl-NL" smtClean="0"/>
-              <a:t>21-2-2023</a:t>
+              <a:t>22-2-2023</a:t>
             </a:fld>
             <a:endParaRPr lang="nl-NL"/>
           </a:p>
@@ -4034,7 +4016,7 @@
           <a:p>
             <a:fld id="{34D34557-819C-43FD-A2EA-1D50E17FA0BF}" type="datetimeFigureOut">
               <a:rPr lang="nl-NL" smtClean="0"/>
-              <a:t>21-2-2023</a:t>
+              <a:t>22-2-2023</a:t>
             </a:fld>
             <a:endParaRPr lang="nl-NL"/>
           </a:p>
@@ -4234,7 +4216,7 @@
           <a:p>
             <a:fld id="{34D34557-819C-43FD-A2EA-1D50E17FA0BF}" type="datetimeFigureOut">
               <a:rPr lang="nl-NL" smtClean="0"/>
-              <a:t>21-2-2023</a:t>
+              <a:t>22-2-2023</a:t>
             </a:fld>
             <a:endParaRPr lang="nl-NL"/>
           </a:p>
@@ -5343,7 +5325,7 @@
           <a:p>
             <a:fld id="{34D34557-819C-43FD-A2EA-1D50E17FA0BF}" type="datetimeFigureOut">
               <a:rPr lang="nl-NL" smtClean="0"/>
-              <a:t>21-2-2023</a:t>
+              <a:t>22-2-2023</a:t>
             </a:fld>
             <a:endParaRPr lang="nl-NL"/>
           </a:p>
@@ -7320,7 +7302,6 @@
               <a:rPr lang="nl-NL" dirty="0"/>
               <a:t>waarde; 10k</a:t>
             </a:r>
-            <a:endParaRPr lang="nl-NL" dirty="0"/>
           </a:p>
         </p:txBody>
       </p:sp>
@@ -8608,7 +8589,6 @@
               <a:rPr lang="nl-NL" i="1" dirty="0" smtClean="0"/>
               <a:t>Let op </a:t>
             </a:r>
-            <a:endParaRPr lang="nl-NL" i="1" dirty="0" smtClean="0"/>
           </a:p>
           <a:p>
             <a:r>
@@ -9726,11 +9706,7 @@
           <a:p>
             <a:r>
               <a:rPr lang="nl-NL" i="1" dirty="0" smtClean="0"/>
-              <a:t>Let op </a:t>
-            </a:r>
-            <a:r>
-              <a:rPr lang="nl-NL" i="1" dirty="0" smtClean="0"/>
-              <a:t>positie</a:t>
+              <a:t>Let op positie</a:t>
             </a:r>
             <a:endParaRPr lang="nl-NL" i="1" dirty="0"/>
           </a:p>
